--- a/2 项目PPT/A-项目PPT-基于分布式Apache Spark的数据处理研究_20160603_第14周_统计总结.pptx
+++ b/2 项目PPT/A-项目PPT-基于分布式Apache Spark的数据处理研究_20160603_第14周_统计总结.pptx
@@ -6,14 +6,14 @@
   </p:sldMasterIdLst>
   <p:sldIdLst>
     <p:sldId id="256" r:id="rId2"/>
-    <p:sldId id="257" r:id="rId3"/>
-    <p:sldId id="258" r:id="rId4"/>
-    <p:sldId id="260" r:id="rId5"/>
-    <p:sldId id="261" r:id="rId6"/>
-    <p:sldId id="262" r:id="rId7"/>
-    <p:sldId id="263" r:id="rId8"/>
-    <p:sldId id="264" r:id="rId9"/>
-    <p:sldId id="265" r:id="rId10"/>
+    <p:sldId id="260" r:id="rId3"/>
+    <p:sldId id="261" r:id="rId4"/>
+    <p:sldId id="262" r:id="rId5"/>
+    <p:sldId id="263" r:id="rId6"/>
+    <p:sldId id="264" r:id="rId7"/>
+    <p:sldId id="265" r:id="rId8"/>
+    <p:sldId id="266" r:id="rId9"/>
+    <p:sldId id="267" r:id="rId10"/>
   </p:sldIdLst>
   <p:sldSz cx="12192000" cy="6858000"/>
   <p:notesSz cx="6858000" cy="9144000"/>
@@ -601,7 +601,7 @@
           <a:p>
             <a:fld id="{9AC639E7-FCA5-435F-8592-3881F1026E6A}" type="datetime1">
               <a:rPr lang="zh-CN" altLang="en-US" smtClean="0"/>
-              <a:t>2016/6/3</a:t>
+              <a:t>2016/6/13</a:t>
             </a:fld>
             <a:endParaRPr lang="zh-CN" altLang="en-US"/>
           </a:p>
@@ -691,7 +691,7 @@
           <a:p>
             <a:fld id="{9AC639E7-FCA5-435F-8592-3881F1026E6A}" type="datetime1">
               <a:rPr lang="zh-CN" altLang="en-US" smtClean="0"/>
-              <a:t>2016/6/3</a:t>
+              <a:t>2016/6/13</a:t>
             </a:fld>
             <a:endParaRPr lang="zh-CN" altLang="en-US"/>
           </a:p>
@@ -918,7 +918,7 @@
           <a:p>
             <a:fld id="{9AC639E7-FCA5-435F-8592-3881F1026E6A}" type="datetime1">
               <a:rPr lang="zh-CN" altLang="en-US" smtClean="0"/>
-              <a:t>2016/6/3</a:t>
+              <a:t>2016/6/13</a:t>
             </a:fld>
             <a:endParaRPr lang="zh-CN" altLang="en-US"/>
           </a:p>
@@ -1448,7 +1448,7 @@
           <a:p>
             <a:fld id="{9AC639E7-FCA5-435F-8592-3881F1026E6A}" type="datetime1">
               <a:rPr lang="zh-CN" altLang="en-US" smtClean="0"/>
-              <a:t>2016/6/3</a:t>
+              <a:t>2016/6/13</a:t>
             </a:fld>
             <a:endParaRPr lang="zh-CN" altLang="en-US"/>
           </a:p>
@@ -1685,7 +1685,7 @@
           <a:p>
             <a:fld id="{9AC639E7-FCA5-435F-8592-3881F1026E6A}" type="datetime1">
               <a:rPr lang="zh-CN" altLang="en-US" smtClean="0"/>
-              <a:t>2016/6/3</a:t>
+              <a:t>2016/6/13</a:t>
             </a:fld>
             <a:endParaRPr lang="zh-CN" altLang="en-US"/>
           </a:p>
@@ -2168,7 +2168,7 @@
           <a:p>
             <a:fld id="{9AC639E7-FCA5-435F-8592-3881F1026E6A}" type="datetime1">
               <a:rPr lang="zh-CN" altLang="en-US" smtClean="0"/>
-              <a:t>2016/6/3</a:t>
+              <a:t>2016/6/13</a:t>
             </a:fld>
             <a:endParaRPr lang="zh-CN" altLang="en-US"/>
           </a:p>
@@ -2711,7 +2711,7 @@
           <a:p>
             <a:fld id="{9AC639E7-FCA5-435F-8592-3881F1026E6A}" type="datetime1">
               <a:rPr lang="zh-CN" altLang="en-US" smtClean="0"/>
-              <a:t>2016/6/3</a:t>
+              <a:t>2016/6/13</a:t>
             </a:fld>
             <a:endParaRPr lang="zh-CN" altLang="en-US"/>
           </a:p>
@@ -2801,7 +2801,7 @@
           <a:p>
             <a:fld id="{9AC639E7-FCA5-435F-8592-3881F1026E6A}" type="datetime1">
               <a:rPr lang="zh-CN" altLang="en-US" smtClean="0"/>
-              <a:t>2016/6/3</a:t>
+              <a:t>2016/6/13</a:t>
             </a:fld>
             <a:endParaRPr lang="zh-CN" altLang="en-US"/>
           </a:p>
@@ -3066,7 +3066,7 @@
           <a:p>
             <a:fld id="{9AC639E7-FCA5-435F-8592-3881F1026E6A}" type="datetime1">
               <a:rPr lang="zh-CN" altLang="en-US" smtClean="0"/>
-              <a:t>2016/6/3</a:t>
+              <a:t>2016/6/13</a:t>
             </a:fld>
             <a:endParaRPr lang="zh-CN" altLang="en-US"/>
           </a:p>
@@ -3251,7 +3251,7 @@
           <a:p>
             <a:fld id="{9AC639E7-FCA5-435F-8592-3881F1026E6A}" type="datetime1">
               <a:rPr lang="zh-CN" altLang="en-US" smtClean="0"/>
-              <a:t>2016/6/3</a:t>
+              <a:t>2016/6/13</a:t>
             </a:fld>
             <a:endParaRPr lang="zh-CN" altLang="en-US"/>
           </a:p>
@@ -3546,7 +3546,7 @@
           <a:p>
             <a:fld id="{9AC639E7-FCA5-435F-8592-3881F1026E6A}" type="datetime1">
               <a:rPr lang="zh-CN" altLang="en-US" smtClean="0"/>
-              <a:t>2016/6/3</a:t>
+              <a:t>2016/6/13</a:t>
             </a:fld>
             <a:endParaRPr lang="zh-CN" altLang="en-US"/>
           </a:p>
@@ -4229,321 +4229,6 @@
           <a:lstStyle/>
           <a:p>
             <a:r>
-              <a:rPr lang="zh-CN" altLang="en-US"/>
-              <a:t>后续工作计划</a:t>
-            </a:r>
-          </a:p>
-        </p:txBody>
-      </p:sp>
-      <p:sp>
-        <p:nvSpPr>
-          <p:cNvPr id="3" name="内容占位符 2"/>
-          <p:cNvSpPr>
-            <a:spLocks noGrp="1"/>
-          </p:cNvSpPr>
-          <p:nvPr>
-            <p:ph idx="1"/>
-          </p:nvPr>
-        </p:nvSpPr>
-        <p:spPr/>
-        <p:txBody>
-          <a:bodyPr/>
-          <a:lstStyle/>
-          <a:p>
-            <a:r>
-              <a:rPr lang="zh-CN" altLang="en-US"/>
-              <a:t>性能测试与性能调优</a:t>
-            </a:r>
-          </a:p>
-          <a:p>
-            <a:r>
-              <a:rPr lang="en-US" altLang="zh-CN"/>
-              <a:t>1</a:t>
-            </a:r>
-            <a:r>
-              <a:rPr lang="zh-CN" altLang="en-US"/>
-              <a:t>、性能测试指标（数据量</a:t>
-            </a:r>
-            <a:r>
-              <a:rPr lang="en-US" altLang="zh-CN"/>
-              <a:t>/</a:t>
-            </a:r>
-            <a:r>
-              <a:rPr lang="zh-CN" altLang="en-US"/>
-              <a:t>执行时间）</a:t>
-            </a:r>
-          </a:p>
-          <a:p>
-            <a:r>
-              <a:rPr lang="en-US" altLang="zh-CN"/>
-              <a:t>2</a:t>
-            </a:r>
-            <a:r>
-              <a:rPr lang="zh-CN" altLang="en-US"/>
-              <a:t>、我们希望考察的参数：</a:t>
-            </a:r>
-          </a:p>
-          <a:p>
-            <a:r>
-              <a:rPr lang="zh-CN" altLang="en-US"/>
-              <a:t>   </a:t>
-            </a:r>
-            <a:r>
-              <a:rPr lang="en-US" altLang="zh-CN"/>
-              <a:t>1</a:t>
-            </a:r>
-            <a:r>
-              <a:rPr lang="zh-CN" altLang="en-US"/>
-              <a:t>）总体数据量与内存比（数据量大小</a:t>
-            </a:r>
-            <a:r>
-              <a:rPr lang="en-US" altLang="zh-CN"/>
-              <a:t>/</a:t>
-            </a:r>
-            <a:r>
-              <a:rPr lang="zh-CN" altLang="en-US"/>
-              <a:t>内存大小）</a:t>
-            </a:r>
-            <a:r>
-              <a:rPr lang="en-US" altLang="zh-CN"/>
-              <a:t>&gt;100% &lt;100%</a:t>
-            </a:r>
-          </a:p>
-          <a:p>
-            <a:r>
-              <a:rPr lang="en-US" altLang="zh-CN"/>
-              <a:t>   2) </a:t>
-            </a:r>
-            <a:r>
-              <a:rPr lang="zh-CN" altLang="en-US"/>
-              <a:t>数据量与内存节点比（数据量大小</a:t>
-            </a:r>
-            <a:r>
-              <a:rPr lang="en-US" altLang="zh-CN"/>
-              <a:t>/</a:t>
-            </a:r>
-            <a:r>
-              <a:rPr lang="zh-CN" altLang="en-US"/>
-              <a:t>每节点内存大小</a:t>
-            </a:r>
-            <a:r>
-              <a:rPr lang="en-US" altLang="zh-CN"/>
-              <a:t>*</a:t>
-            </a:r>
-            <a:r>
-              <a:rPr lang="zh-CN" altLang="en-US"/>
-              <a:t>节点数）</a:t>
-            </a:r>
-          </a:p>
-          <a:p>
-            <a:r>
-              <a:rPr lang="zh-CN" altLang="en-US"/>
-              <a:t>   </a:t>
-            </a:r>
-            <a:r>
-              <a:rPr lang="en-US" altLang="zh-CN"/>
-              <a:t>3</a:t>
-            </a:r>
-            <a:r>
-              <a:rPr lang="zh-CN" altLang="en-US"/>
-              <a:t>）使用</a:t>
-            </a:r>
-            <a:r>
-              <a:rPr lang="en-US" altLang="zh-CN"/>
-              <a:t>cpu</a:t>
-            </a:r>
-            <a:r>
-              <a:rPr lang="zh-CN" altLang="en-US"/>
-              <a:t>核心数量（</a:t>
-            </a:r>
-            <a:r>
-              <a:rPr lang="en-US" altLang="zh-CN"/>
-              <a:t>spark.executor.cores)</a:t>
-            </a:r>
-          </a:p>
-          <a:p>
-            <a:r>
-              <a:rPr lang="en-US" altLang="zh-CN"/>
-              <a:t>   4</a:t>
-            </a:r>
-            <a:r>
-              <a:rPr lang="zh-CN" altLang="en-US"/>
-              <a:t>）</a:t>
-            </a:r>
-            <a:r>
-              <a:rPr lang="en-US" altLang="zh-CN"/>
-              <a:t>spark.local.dir</a:t>
-            </a:r>
-            <a:r>
-              <a:rPr lang="zh-CN" altLang="en-US"/>
-              <a:t>（磁盘，多磁盘，</a:t>
-            </a:r>
-            <a:r>
-              <a:rPr lang="en-US" altLang="zh-CN"/>
-              <a:t>ssd+</a:t>
-            </a:r>
-            <a:r>
-              <a:rPr lang="zh-CN" altLang="en-US"/>
-              <a:t>磁盘，多</a:t>
-            </a:r>
-            <a:r>
-              <a:rPr lang="en-US" altLang="zh-CN"/>
-              <a:t>ssd</a:t>
-            </a:r>
-            <a:r>
-              <a:rPr lang="zh-CN" altLang="en-US"/>
-              <a:t>）</a:t>
-            </a:r>
-          </a:p>
-          <a:p>
-            <a:endParaRPr lang="en-US" altLang="zh-CN"/>
-          </a:p>
-        </p:txBody>
-      </p:sp>
-    </p:spTree>
-    <p:custDataLst>
-      <p:tags r:id="rId1"/>
-    </p:custDataLst>
-  </p:cSld>
-  <p:clrMapOvr>
-    <a:masterClrMapping/>
-  </p:clrMapOvr>
-</p:sld>
-</file>
-
-<file path=ppt/slides/slide3.xml><?xml version="1.0" encoding="utf-8"?>
-<p:sld xmlns:a="http://schemas.openxmlformats.org/drawingml/2006/main" xmlns:r="http://schemas.openxmlformats.org/officeDocument/2006/relationships" xmlns:p="http://schemas.openxmlformats.org/presentationml/2006/main">
-  <p:cSld>
-    <p:spTree>
-      <p:nvGrpSpPr>
-        <p:cNvPr id="1" name=""/>
-        <p:cNvGrpSpPr/>
-        <p:nvPr/>
-      </p:nvGrpSpPr>
-      <p:grpSpPr>
-        <a:xfrm>
-          <a:off x="0" y="0"/>
-          <a:ext cx="0" cy="0"/>
-          <a:chOff x="0" y="0"/>
-          <a:chExt cx="0" cy="0"/>
-        </a:xfrm>
-      </p:grpSpPr>
-      <p:sp>
-        <p:nvSpPr>
-          <p:cNvPr id="2" name="标题 1"/>
-          <p:cNvSpPr>
-            <a:spLocks noGrp="1"/>
-          </p:cNvSpPr>
-          <p:nvPr>
-            <p:ph type="title"/>
-          </p:nvPr>
-        </p:nvSpPr>
-        <p:spPr/>
-        <p:txBody>
-          <a:bodyPr/>
-          <a:lstStyle/>
-          <a:p>
-            <a:r>
-              <a:rPr lang="zh-CN" altLang="en-US"/>
-              <a:t>预期成果</a:t>
-            </a:r>
-          </a:p>
-        </p:txBody>
-      </p:sp>
-      <p:pic>
-        <p:nvPicPr>
-          <p:cNvPr id="4" name="内容占位符 3"/>
-          <p:cNvPicPr>
-            <a:picLocks noGrp="1" noChangeAspect="1"/>
-          </p:cNvPicPr>
-          <p:nvPr>
-            <p:ph idx="1"/>
-          </p:nvPr>
-        </p:nvPicPr>
-        <p:blipFill>
-          <a:blip r:embed="rId3"/>
-          <a:stretch>
-            <a:fillRect/>
-          </a:stretch>
-        </p:blipFill>
-        <p:spPr>
-          <a:xfrm>
-            <a:off x="1777365" y="1175385"/>
-            <a:ext cx="7263130" cy="2450465"/>
-          </a:xfrm>
-          <a:prstGeom prst="rect">
-            <a:avLst/>
-          </a:prstGeom>
-        </p:spPr>
-      </p:pic>
-      <p:pic>
-        <p:nvPicPr>
-          <p:cNvPr id="5" name="图片 4"/>
-          <p:cNvPicPr>
-            <a:picLocks noChangeAspect="1"/>
-          </p:cNvPicPr>
-          <p:nvPr/>
-        </p:nvPicPr>
-        <p:blipFill>
-          <a:blip r:embed="rId4"/>
-          <a:stretch>
-            <a:fillRect/>
-          </a:stretch>
-        </p:blipFill>
-        <p:spPr>
-          <a:xfrm>
-            <a:off x="1746885" y="3741420"/>
-            <a:ext cx="7285990" cy="2602230"/>
-          </a:xfrm>
-          <a:prstGeom prst="rect">
-            <a:avLst/>
-          </a:prstGeom>
-        </p:spPr>
-      </p:pic>
-    </p:spTree>
-    <p:custDataLst>
-      <p:tags r:id="rId1"/>
-    </p:custDataLst>
-  </p:cSld>
-  <p:clrMapOvr>
-    <a:masterClrMapping/>
-  </p:clrMapOvr>
-</p:sld>
-</file>
-
-<file path=ppt/slides/slide4.xml><?xml version="1.0" encoding="utf-8"?>
-<p:sld xmlns:a="http://schemas.openxmlformats.org/drawingml/2006/main" xmlns:r="http://schemas.openxmlformats.org/officeDocument/2006/relationships" xmlns:p="http://schemas.openxmlformats.org/presentationml/2006/main">
-  <p:cSld>
-    <p:spTree>
-      <p:nvGrpSpPr>
-        <p:cNvPr id="1" name=""/>
-        <p:cNvGrpSpPr/>
-        <p:nvPr/>
-      </p:nvGrpSpPr>
-      <p:grpSpPr>
-        <a:xfrm>
-          <a:off x="0" y="0"/>
-          <a:ext cx="0" cy="0"/>
-          <a:chOff x="0" y="0"/>
-          <a:chExt cx="0" cy="0"/>
-        </a:xfrm>
-      </p:grpSpPr>
-      <p:sp>
-        <p:nvSpPr>
-          <p:cNvPr id="2" name="标题 1"/>
-          <p:cNvSpPr>
-            <a:spLocks noGrp="1"/>
-          </p:cNvSpPr>
-          <p:nvPr>
-            <p:ph type="title"/>
-          </p:nvPr>
-        </p:nvSpPr>
-        <p:spPr/>
-        <p:txBody>
-          <a:bodyPr/>
-          <a:lstStyle/>
-          <a:p>
-            <a:r>
               <a:rPr lang="zh-CN" altLang="en-US" dirty="0" smtClean="0"/>
               <a:t>统计分析实验</a:t>
             </a:r>
@@ -4624,7 +4309,7 @@
 </p:sld>
 </file>
 
-<file path=ppt/slides/slide5.xml><?xml version="1.0" encoding="utf-8"?>
+<file path=ppt/slides/slide3.xml><?xml version="1.0" encoding="utf-8"?>
 <p:sld xmlns:a="http://schemas.openxmlformats.org/drawingml/2006/main" xmlns:r="http://schemas.openxmlformats.org/officeDocument/2006/relationships" xmlns:p="http://schemas.openxmlformats.org/presentationml/2006/main">
   <p:cSld>
     <p:spTree>
@@ -4727,7 +4412,7 @@
 </p:sld>
 </file>
 
-<file path=ppt/slides/slide6.xml><?xml version="1.0" encoding="utf-8"?>
+<file path=ppt/slides/slide4.xml><?xml version="1.0" encoding="utf-8"?>
 <p:sld xmlns:a="http://schemas.openxmlformats.org/drawingml/2006/main" xmlns:r="http://schemas.openxmlformats.org/officeDocument/2006/relationships" xmlns:p="http://schemas.openxmlformats.org/presentationml/2006/main">
   <p:cSld>
     <p:spTree>
@@ -4806,7 +4491,7 @@
 </p:sld>
 </file>
 
-<file path=ppt/slides/slide7.xml><?xml version="1.0" encoding="utf-8"?>
+<file path=ppt/slides/slide5.xml><?xml version="1.0" encoding="utf-8"?>
 <p:sld xmlns:a="http://schemas.openxmlformats.org/drawingml/2006/main" xmlns:r="http://schemas.openxmlformats.org/officeDocument/2006/relationships" xmlns:p="http://schemas.openxmlformats.org/presentationml/2006/main">
   <p:cSld>
     <p:spTree>
@@ -4909,7 +4594,7 @@
 </p:sld>
 </file>
 
-<file path=ppt/slides/slide8.xml><?xml version="1.0" encoding="utf-8"?>
+<file path=ppt/slides/slide6.xml><?xml version="1.0" encoding="utf-8"?>
 <p:sld xmlns:a="http://schemas.openxmlformats.org/drawingml/2006/main" xmlns:r="http://schemas.openxmlformats.org/officeDocument/2006/relationships" xmlns:p="http://schemas.openxmlformats.org/presentationml/2006/main">
   <p:cSld>
     <p:spTree>
@@ -5012,7 +4697,7 @@
 </p:sld>
 </file>
 
-<file path=ppt/slides/slide9.xml><?xml version="1.0" encoding="utf-8"?>
+<file path=ppt/slides/slide7.xml><?xml version="1.0" encoding="utf-8"?>
 <p:sld xmlns:a="http://schemas.openxmlformats.org/drawingml/2006/main" xmlns:r="http://schemas.openxmlformats.org/officeDocument/2006/relationships" xmlns:p="http://schemas.openxmlformats.org/presentationml/2006/main">
   <p:cSld>
     <p:spTree>
@@ -5158,6 +4843,331 @@
       </p:par>
     </p:tnLst>
   </p:timing>
+</p:sld>
+</file>
+
+<file path=ppt/slides/slide8.xml><?xml version="1.0" encoding="utf-8"?>
+<p:sld xmlns:a="http://schemas.openxmlformats.org/drawingml/2006/main" xmlns:r="http://schemas.openxmlformats.org/officeDocument/2006/relationships" xmlns:p="http://schemas.openxmlformats.org/presentationml/2006/main">
+  <p:cSld>
+    <p:spTree>
+      <p:nvGrpSpPr>
+        <p:cNvPr id="1" name=""/>
+        <p:cNvGrpSpPr/>
+        <p:nvPr/>
+      </p:nvGrpSpPr>
+      <p:grpSpPr>
+        <a:xfrm>
+          <a:off x="0" y="0"/>
+          <a:ext cx="0" cy="0"/>
+          <a:chOff x="0" y="0"/>
+          <a:chExt cx="0" cy="0"/>
+        </a:xfrm>
+      </p:grpSpPr>
+      <p:sp>
+        <p:nvSpPr>
+          <p:cNvPr id="2" name="标题 1"/>
+          <p:cNvSpPr>
+            <a:spLocks noGrp="1"/>
+          </p:cNvSpPr>
+          <p:nvPr>
+            <p:ph type="title"/>
+          </p:nvPr>
+        </p:nvSpPr>
+        <p:spPr/>
+        <p:txBody>
+          <a:bodyPr/>
+          <a:lstStyle/>
+          <a:p>
+            <a:r>
+              <a:rPr lang="zh-CN" altLang="en-US"/>
+              <a:t>后续工作计划</a:t>
+            </a:r>
+          </a:p>
+        </p:txBody>
+      </p:sp>
+      <p:sp>
+        <p:nvSpPr>
+          <p:cNvPr id="3" name="内容占位符 2"/>
+          <p:cNvSpPr>
+            <a:spLocks noGrp="1"/>
+          </p:cNvSpPr>
+          <p:nvPr>
+            <p:ph idx="1"/>
+          </p:nvPr>
+        </p:nvSpPr>
+        <p:spPr/>
+        <p:txBody>
+          <a:bodyPr/>
+          <a:lstStyle/>
+          <a:p>
+            <a:r>
+              <a:rPr lang="zh-CN" altLang="en-US"/>
+              <a:t>性能测试与性能调优</a:t>
+            </a:r>
+          </a:p>
+          <a:p>
+            <a:r>
+              <a:rPr lang="en-US" altLang="zh-CN"/>
+              <a:t>1</a:t>
+            </a:r>
+            <a:r>
+              <a:rPr lang="zh-CN" altLang="en-US"/>
+              <a:t>、性能测试指标（数据量</a:t>
+            </a:r>
+            <a:r>
+              <a:rPr lang="en-US" altLang="zh-CN"/>
+              <a:t>/</a:t>
+            </a:r>
+            <a:r>
+              <a:rPr lang="zh-CN" altLang="en-US"/>
+              <a:t>执行时间）</a:t>
+            </a:r>
+          </a:p>
+          <a:p>
+            <a:r>
+              <a:rPr lang="en-US" altLang="zh-CN"/>
+              <a:t>2</a:t>
+            </a:r>
+            <a:r>
+              <a:rPr lang="zh-CN" altLang="en-US"/>
+              <a:t>、我们希望考察的参数：</a:t>
+            </a:r>
+          </a:p>
+          <a:p>
+            <a:r>
+              <a:rPr lang="zh-CN" altLang="en-US"/>
+              <a:t>   </a:t>
+            </a:r>
+            <a:r>
+              <a:rPr lang="en-US" altLang="zh-CN"/>
+              <a:t>1</a:t>
+            </a:r>
+            <a:r>
+              <a:rPr lang="zh-CN" altLang="en-US"/>
+              <a:t>）总体数据量与内存比（数据量大小</a:t>
+            </a:r>
+            <a:r>
+              <a:rPr lang="en-US" altLang="zh-CN"/>
+              <a:t>/</a:t>
+            </a:r>
+            <a:r>
+              <a:rPr lang="zh-CN" altLang="en-US"/>
+              <a:t>内存大小）</a:t>
+            </a:r>
+            <a:r>
+              <a:rPr lang="en-US" altLang="zh-CN"/>
+              <a:t>&gt;100% &lt;100%</a:t>
+            </a:r>
+          </a:p>
+          <a:p>
+            <a:r>
+              <a:rPr lang="en-US" altLang="zh-CN"/>
+              <a:t>   2) </a:t>
+            </a:r>
+            <a:r>
+              <a:rPr lang="zh-CN" altLang="en-US"/>
+              <a:t>数据量与内存节点比（数据量大小</a:t>
+            </a:r>
+            <a:r>
+              <a:rPr lang="en-US" altLang="zh-CN"/>
+              <a:t>/</a:t>
+            </a:r>
+            <a:r>
+              <a:rPr lang="zh-CN" altLang="en-US"/>
+              <a:t>每节点内存大小</a:t>
+            </a:r>
+            <a:r>
+              <a:rPr lang="en-US" altLang="zh-CN"/>
+              <a:t>*</a:t>
+            </a:r>
+            <a:r>
+              <a:rPr lang="zh-CN" altLang="en-US"/>
+              <a:t>节点数）</a:t>
+            </a:r>
+          </a:p>
+          <a:p>
+            <a:r>
+              <a:rPr lang="zh-CN" altLang="en-US"/>
+              <a:t>   </a:t>
+            </a:r>
+            <a:r>
+              <a:rPr lang="en-US" altLang="zh-CN"/>
+              <a:t>3</a:t>
+            </a:r>
+            <a:r>
+              <a:rPr lang="zh-CN" altLang="en-US"/>
+              <a:t>）使用</a:t>
+            </a:r>
+            <a:r>
+              <a:rPr lang="en-US" altLang="zh-CN"/>
+              <a:t>cpu</a:t>
+            </a:r>
+            <a:r>
+              <a:rPr lang="zh-CN" altLang="en-US"/>
+              <a:t>核心数量（</a:t>
+            </a:r>
+            <a:r>
+              <a:rPr lang="en-US" altLang="zh-CN"/>
+              <a:t>spark.executor.cores)</a:t>
+            </a:r>
+          </a:p>
+          <a:p>
+            <a:r>
+              <a:rPr lang="en-US" altLang="zh-CN"/>
+              <a:t>   4</a:t>
+            </a:r>
+            <a:r>
+              <a:rPr lang="zh-CN" altLang="en-US"/>
+              <a:t>）</a:t>
+            </a:r>
+            <a:r>
+              <a:rPr lang="en-US" altLang="zh-CN"/>
+              <a:t>spark.local.dir</a:t>
+            </a:r>
+            <a:r>
+              <a:rPr lang="zh-CN" altLang="en-US"/>
+              <a:t>（磁盘，多磁盘，</a:t>
+            </a:r>
+            <a:r>
+              <a:rPr lang="en-US" altLang="zh-CN"/>
+              <a:t>ssd+</a:t>
+            </a:r>
+            <a:r>
+              <a:rPr lang="zh-CN" altLang="en-US"/>
+              <a:t>磁盘，多</a:t>
+            </a:r>
+            <a:r>
+              <a:rPr lang="en-US" altLang="zh-CN"/>
+              <a:t>ssd</a:t>
+            </a:r>
+            <a:r>
+              <a:rPr lang="zh-CN" altLang="en-US"/>
+              <a:t>）</a:t>
+            </a:r>
+          </a:p>
+          <a:p>
+            <a:endParaRPr lang="en-US" altLang="zh-CN"/>
+          </a:p>
+        </p:txBody>
+      </p:sp>
+    </p:spTree>
+    <p:custDataLst>
+      <p:tags r:id="rId1"/>
+    </p:custDataLst>
+    <p:extLst>
+      <p:ext uri="{BB962C8B-B14F-4D97-AF65-F5344CB8AC3E}">
+        <p14:creationId xmlns:p14="http://schemas.microsoft.com/office/powerpoint/2010/main" val="2584481045"/>
+      </p:ext>
+    </p:extLst>
+  </p:cSld>
+  <p:clrMapOvr>
+    <a:masterClrMapping/>
+  </p:clrMapOvr>
+</p:sld>
+</file>
+
+<file path=ppt/slides/slide9.xml><?xml version="1.0" encoding="utf-8"?>
+<p:sld xmlns:a="http://schemas.openxmlformats.org/drawingml/2006/main" xmlns:r="http://schemas.openxmlformats.org/officeDocument/2006/relationships" xmlns:p="http://schemas.openxmlformats.org/presentationml/2006/main">
+  <p:cSld>
+    <p:spTree>
+      <p:nvGrpSpPr>
+        <p:cNvPr id="1" name=""/>
+        <p:cNvGrpSpPr/>
+        <p:nvPr/>
+      </p:nvGrpSpPr>
+      <p:grpSpPr>
+        <a:xfrm>
+          <a:off x="0" y="0"/>
+          <a:ext cx="0" cy="0"/>
+          <a:chOff x="0" y="0"/>
+          <a:chExt cx="0" cy="0"/>
+        </a:xfrm>
+      </p:grpSpPr>
+      <p:sp>
+        <p:nvSpPr>
+          <p:cNvPr id="2" name="标题 1"/>
+          <p:cNvSpPr>
+            <a:spLocks noGrp="1"/>
+          </p:cNvSpPr>
+          <p:nvPr>
+            <p:ph type="title"/>
+          </p:nvPr>
+        </p:nvSpPr>
+        <p:spPr/>
+        <p:txBody>
+          <a:bodyPr/>
+          <a:lstStyle/>
+          <a:p>
+            <a:r>
+              <a:rPr lang="zh-CN" altLang="en-US"/>
+              <a:t>预期成果</a:t>
+            </a:r>
+          </a:p>
+        </p:txBody>
+      </p:sp>
+      <p:pic>
+        <p:nvPicPr>
+          <p:cNvPr id="4" name="内容占位符 3"/>
+          <p:cNvPicPr>
+            <a:picLocks noGrp="1" noChangeAspect="1"/>
+          </p:cNvPicPr>
+          <p:nvPr>
+            <p:ph idx="1"/>
+          </p:nvPr>
+        </p:nvPicPr>
+        <p:blipFill>
+          <a:blip r:embed="rId3"/>
+          <a:stretch>
+            <a:fillRect/>
+          </a:stretch>
+        </p:blipFill>
+        <p:spPr>
+          <a:xfrm>
+            <a:off x="1777365" y="1175385"/>
+            <a:ext cx="7263130" cy="2450465"/>
+          </a:xfrm>
+          <a:prstGeom prst="rect">
+            <a:avLst/>
+          </a:prstGeom>
+        </p:spPr>
+      </p:pic>
+      <p:pic>
+        <p:nvPicPr>
+          <p:cNvPr id="5" name="图片 4"/>
+          <p:cNvPicPr>
+            <a:picLocks noChangeAspect="1"/>
+          </p:cNvPicPr>
+          <p:nvPr/>
+        </p:nvPicPr>
+        <p:blipFill>
+          <a:blip r:embed="rId4"/>
+          <a:stretch>
+            <a:fillRect/>
+          </a:stretch>
+        </p:blipFill>
+        <p:spPr>
+          <a:xfrm>
+            <a:off x="1746885" y="3741420"/>
+            <a:ext cx="7285990" cy="2602230"/>
+          </a:xfrm>
+          <a:prstGeom prst="rect">
+            <a:avLst/>
+          </a:prstGeom>
+        </p:spPr>
+      </p:pic>
+    </p:spTree>
+    <p:custDataLst>
+      <p:tags r:id="rId1"/>
+    </p:custDataLst>
+    <p:extLst>
+      <p:ext uri="{BB962C8B-B14F-4D97-AF65-F5344CB8AC3E}">
+        <p14:creationId xmlns:p14="http://schemas.microsoft.com/office/powerpoint/2010/main" val="1718232967"/>
+      </p:ext>
+    </p:extLst>
+  </p:cSld>
+  <p:clrMapOvr>
+    <a:masterClrMapping/>
+  </p:clrMapOvr>
 </p:sld>
 </file>
 
